--- a/ゲーム制作スライド.pptx
+++ b/ゲーム制作スライド.pptx
@@ -2306,7 +2306,7 @@
               <a:latin typeface="Meiryo UI" panose="020B0604030504040204" pitchFamily="50" charset="-128"/>
               <a:ea typeface="Meiryo UI" panose="020B0604030504040204" pitchFamily="50" charset="-128"/>
             </a:rPr>
-            <a:t>UI</a:t>
+            <a:t>BGM</a:t>
           </a:r>
           <a:r>
             <a:rPr lang="ja-JP" altLang="en-US" dirty="0">
@@ -3197,7 +3197,7 @@
               <a:latin typeface="Meiryo UI" panose="020B0604030504040204" pitchFamily="50" charset="-128"/>
               <a:ea typeface="Meiryo UI" panose="020B0604030504040204" pitchFamily="50" charset="-128"/>
             </a:rPr>
-            <a:t>UI</a:t>
+            <a:t>BGM</a:t>
           </a:r>
           <a:r>
             <a:rPr lang="ja-JP" altLang="en-US" sz="1100" kern="1200" dirty="0">
@@ -5080,7 +5080,7 @@
             <a:pPr rtl="0"/>
             <a:fld id="{2C644A8E-4737-47EC-8F63-A04FC3F60BBC}" type="datetime1">
               <a:rPr lang="ja-JP" altLang="en-US" smtClean="0"/>
-              <a:t>2022/10/26</a:t>
+              <a:t>2022/10/28</a:t>
             </a:fld>
             <a:endParaRPr lang="en-US" dirty="0"/>
           </a:p>
@@ -5250,7 +5250,7 @@
             <a:pPr rtl="0"/>
             <a:fld id="{B7D2CD12-2EA1-4D01-B4E3-887F9CBA179F}" type="datetime1">
               <a:rPr lang="ja-JP" altLang="en-US" smtClean="0"/>
-              <a:t>2022/10/26</a:t>
+              <a:t>2022/10/28</a:t>
             </a:fld>
             <a:endParaRPr lang="en-US"/>
           </a:p>
@@ -5764,7 +5764,7 @@
             <a:pPr rtl="0"/>
             <a:fld id="{83DCDF92-A159-46CD-AE7F-AE913F8A0C03}" type="datetime1">
               <a:rPr lang="ja-JP" altLang="en-US" smtClean="0"/>
-              <a:t>2022/10/26</a:t>
+              <a:t>2022/10/28</a:t>
             </a:fld>
             <a:endParaRPr lang="en-US" dirty="0"/>
           </a:p>
@@ -6003,7 +6003,7 @@
             <a:pPr rtl="0"/>
             <a:fld id="{63A43473-F0CF-4097-9FA0-5C73431C12E8}" type="datetime1">
               <a:rPr lang="ja-JP" altLang="en-US" smtClean="0"/>
-              <a:t>2022/10/26</a:t>
+              <a:t>2022/10/28</a:t>
             </a:fld>
             <a:endParaRPr lang="en-US" dirty="0"/>
           </a:p>
@@ -6401,7 +6401,7 @@
             <a:pPr rtl="0"/>
             <a:fld id="{2D9E36F4-56C9-497D-985A-4547EE80C7E5}" type="datetime1">
               <a:rPr lang="ja-JP" altLang="en-US" smtClean="0"/>
-              <a:t>2022/10/26</a:t>
+              <a:t>2022/10/28</a:t>
             </a:fld>
             <a:endParaRPr lang="en-US" dirty="0"/>
           </a:p>
@@ -6635,7 +6635,7 @@
             <a:pPr rtl="0"/>
             <a:fld id="{3FE9C3F6-23B1-4AC7-8654-56B71A245609}" type="datetime1">
               <a:rPr lang="ja-JP" altLang="en-US" smtClean="0"/>
-              <a:t>2022/10/26</a:t>
+              <a:t>2022/10/28</a:t>
             </a:fld>
             <a:endParaRPr lang="en-US" dirty="0"/>
           </a:p>
@@ -6951,7 +6951,7 @@
             <a:pPr rtl="0"/>
             <a:fld id="{48EED29A-E673-4AAF-8414-A0538097D4FB}" type="datetime1">
               <a:rPr lang="ja-JP" altLang="en-US" smtClean="0"/>
-              <a:t>2022/10/26</a:t>
+              <a:t>2022/10/28</a:t>
             </a:fld>
             <a:endParaRPr lang="en-US" dirty="0"/>
           </a:p>
@@ -7272,7 +7272,7 @@
             <a:pPr rtl="0"/>
             <a:fld id="{D2AF9471-7E3C-43CD-B2AE-E0996B6FCF28}" type="datetime1">
               <a:rPr lang="ja-JP" altLang="en-US" smtClean="0"/>
-              <a:t>2022/10/26</a:t>
+              <a:t>2022/10/28</a:t>
             </a:fld>
             <a:endParaRPr lang="en-US" dirty="0"/>
           </a:p>
@@ -7762,7 +7762,7 @@
             <a:pPr rtl="0"/>
             <a:fld id="{42EAD7D0-3BCF-438D-AF45-776548880E3E}" type="datetime1">
               <a:rPr lang="ja-JP" altLang="en-US" smtClean="0"/>
-              <a:t>2022/10/26</a:t>
+              <a:t>2022/10/28</a:t>
             </a:fld>
             <a:endParaRPr lang="en-US" dirty="0"/>
           </a:p>
@@ -7889,7 +7889,7 @@
             <a:pPr rtl="0"/>
             <a:fld id="{095BB670-9BB6-41E9-8402-5ADF041FD5DA}" type="datetime1">
               <a:rPr lang="ja-JP" altLang="en-US" smtClean="0"/>
-              <a:t>2022/10/26</a:t>
+              <a:t>2022/10/28</a:t>
             </a:fld>
             <a:endParaRPr lang="en-US" dirty="0"/>
           </a:p>
@@ -7987,7 +7987,7 @@
             <a:pPr rtl="0"/>
             <a:fld id="{B64CBAF2-9AF4-4C61-80A6-A4165AC07DD4}" type="datetime1">
               <a:rPr lang="ja-JP" altLang="en-US" smtClean="0"/>
-              <a:t>2022/10/26</a:t>
+              <a:t>2022/10/28</a:t>
             </a:fld>
             <a:endParaRPr lang="en-US" dirty="0"/>
           </a:p>
@@ -8400,7 +8400,7 @@
             <a:pPr rtl="0"/>
             <a:fld id="{15E8BA45-A90A-4071-A13D-6AC57A8D06A3}" type="datetime1">
               <a:rPr lang="ja-JP" altLang="en-US" smtClean="0"/>
-              <a:t>2022/10/26</a:t>
+              <a:t>2022/10/28</a:t>
             </a:fld>
             <a:endParaRPr lang="en-US" dirty="0"/>
           </a:p>
@@ -8698,7 +8698,7 @@
             <a:pPr rtl="0"/>
             <a:fld id="{AC67FAA8-A50A-40C1-B5A1-A17F7AE628E9}" type="datetime1">
               <a:rPr lang="ja-JP" altLang="en-US" smtClean="0"/>
-              <a:t>2022/10/26</a:t>
+              <a:t>2022/10/28</a:t>
             </a:fld>
             <a:endParaRPr lang="en-US" dirty="0"/>
           </a:p>
@@ -8917,7 +8917,7 @@
           <a:p>
             <a:fld id="{8288BDA2-415F-4853-9C1B-2BDC206538FD}" type="datetime1">
               <a:rPr lang="ja-JP" altLang="en-US" noProof="0" smtClean="0"/>
-              <a:t>2022/10/26</a:t>
+              <a:t>2022/10/28</a:t>
             </a:fld>
             <a:endParaRPr lang="ja-JP" altLang="en-US" noProof="0" dirty="0"/>
           </a:p>
@@ -9976,7 +9976,7 @@
             <p:ph idx="1"/>
             <p:extLst>
               <p:ext uri="{D42A27DB-BD31-4B8C-83A1-F6EECF244321}">
-                <p14:modId xmlns:p14="http://schemas.microsoft.com/office/powerpoint/2010/main" val="2496809142"/>
+                <p14:modId xmlns:p14="http://schemas.microsoft.com/office/powerpoint/2010/main" val="3423413999"/>
               </p:ext>
             </p:extLst>
           </p:nvPr>
@@ -10118,7 +10118,7 @@
             <a:pPr rtl="0"/>
             <a:fld id="{3FE9C3F6-23B1-4AC7-8654-56B71A245609}" type="datetime1">
               <a:rPr lang="ja-JP" altLang="en-US" smtClean="0"/>
-              <a:t>2022/10/26</a:t>
+              <a:t>2022/10/28</a:t>
             </a:fld>
             <a:endParaRPr lang="en-US" dirty="0"/>
           </a:p>
@@ -10224,24 +10224,6 @@
             </a:endParaRPr>
           </a:p>
           <a:p>
-            <a:pPr marL="0" indent="0">
-              <a:buNone/>
-            </a:pPr>
-            <a:r>
-              <a:rPr lang="ja-JP" altLang="en-US" sz="2800" dirty="0">
-                <a:solidFill>
-                  <a:schemeClr val="accent1"/>
-                </a:solidFill>
-              </a:rPr>
-              <a:t>正直、人が３人以内と厳しい、、、、</a:t>
-            </a:r>
-            <a:endParaRPr lang="en-US" altLang="ja-JP" sz="2800" dirty="0">
-              <a:solidFill>
-                <a:schemeClr val="accent1"/>
-              </a:solidFill>
-            </a:endParaRPr>
-          </a:p>
-          <a:p>
             <a:pPr>
               <a:buFont typeface="Wingdings" panose="05000000000000000000" pitchFamily="2" charset="2"/>
               <a:buChar char="p"/>
@@ -10300,7 +10282,7 @@
             <a:pPr rtl="0"/>
             <a:fld id="{3FE9C3F6-23B1-4AC7-8654-56B71A245609}" type="datetime1">
               <a:rPr lang="ja-JP" altLang="en-US" smtClean="0"/>
-              <a:t>2022/10/26</a:t>
+              <a:t>2022/10/28</a:t>
             </a:fld>
             <a:endParaRPr lang="en-US" dirty="0"/>
           </a:p>
@@ -10386,7 +10368,7 @@
         <p:spPr/>
         <p:txBody>
           <a:bodyPr>
-            <a:normAutofit fontScale="92500" lnSpcReduction="20000"/>
+            <a:normAutofit/>
           </a:bodyPr>
           <a:lstStyle/>
           <a:p>
@@ -10394,16 +10376,6 @@
               <a:buNone/>
             </a:pPr>
             <a:r>
-              <a:rPr kumimoji="1" lang="ja-JP" altLang="en-US" dirty="0"/>
-              <a:t>第一案のり価格高騰</a:t>
-            </a:r>
-            <a:endParaRPr kumimoji="1" lang="en-US" altLang="ja-JP" dirty="0"/>
-          </a:p>
-          <a:p>
-            <a:pPr marL="0" indent="0">
-              <a:buNone/>
-            </a:pPr>
-            <a:r>
               <a:rPr lang="ja-JP" altLang="en-US" dirty="0"/>
               <a:t>第</a:t>
             </a:r>
@@ -10414,16 +10386,6 @@
             <a:r>
               <a:rPr lang="ja-JP" altLang="en-US" dirty="0"/>
               <a:t>案俺らが異世界転生する話</a:t>
-            </a:r>
-            <a:endParaRPr lang="en-US" altLang="ja-JP" dirty="0"/>
-          </a:p>
-          <a:p>
-            <a:pPr marL="0" indent="0">
-              <a:buNone/>
-            </a:pPr>
-            <a:r>
-              <a:rPr lang="ja-JP" altLang="en-US" dirty="0"/>
-              <a:t>：脱出</a:t>
             </a:r>
             <a:endParaRPr lang="en-US" altLang="ja-JP" dirty="0"/>
           </a:p>
@@ -10530,7 +10492,7 @@
             <a:pPr rtl="0"/>
             <a:fld id="{3FE9C3F6-23B1-4AC7-8654-56B71A245609}" type="datetime1">
               <a:rPr lang="ja-JP" altLang="en-US" smtClean="0"/>
-              <a:t>2022/10/26</a:t>
+              <a:t>2022/10/28</a:t>
             </a:fld>
             <a:endParaRPr lang="en-US" dirty="0"/>
           </a:p>
@@ -10675,7 +10637,7 @@
             <a:pPr rtl="0"/>
             <a:fld id="{3FE9C3F6-23B1-4AC7-8654-56B71A245609}" type="datetime1">
               <a:rPr lang="ja-JP" altLang="en-US" smtClean="0"/>
-              <a:t>2022/10/26</a:t>
+              <a:t>2022/10/28</a:t>
             </a:fld>
             <a:endParaRPr lang="en-US" dirty="0"/>
           </a:p>
@@ -10855,7 +10817,7 @@
             <a:pPr rtl="0"/>
             <a:fld id="{3FE9C3F6-23B1-4AC7-8654-56B71A245609}" type="datetime1">
               <a:rPr lang="ja-JP" altLang="en-US" smtClean="0"/>
-              <a:t>2022/10/26</a:t>
+              <a:t>2022/10/28</a:t>
             </a:fld>
             <a:endParaRPr lang="en-US" dirty="0"/>
           </a:p>
@@ -10979,7 +10941,7 @@
             <a:pPr rtl="0"/>
             <a:fld id="{3FE9C3F6-23B1-4AC7-8654-56B71A245609}" type="datetime1">
               <a:rPr lang="ja-JP" altLang="en-US" smtClean="0"/>
-              <a:t>2022/10/26</a:t>
+              <a:t>2022/10/28</a:t>
             </a:fld>
             <a:endParaRPr lang="en-US" dirty="0"/>
           </a:p>
@@ -11185,7 +11147,7 @@
             <a:pPr rtl="0"/>
             <a:fld id="{3FE9C3F6-23B1-4AC7-8654-56B71A245609}" type="datetime1">
               <a:rPr lang="ja-JP" altLang="en-US" smtClean="0"/>
-              <a:t>2022/10/26</a:t>
+              <a:t>2022/10/28</a:t>
             </a:fld>
             <a:endParaRPr lang="en-US" dirty="0"/>
           </a:p>

--- a/ゲーム制作スライド.pptx
+++ b/ゲーム制作スライド.pptx
@@ -5080,7 +5080,7 @@
             <a:pPr rtl="0"/>
             <a:fld id="{2C644A8E-4737-47EC-8F63-A04FC3F60BBC}" type="datetime1">
               <a:rPr lang="ja-JP" altLang="en-US" smtClean="0"/>
-              <a:t>2022/10/28</a:t>
+              <a:t>2022/10/31</a:t>
             </a:fld>
             <a:endParaRPr lang="en-US" dirty="0"/>
           </a:p>
@@ -5250,7 +5250,7 @@
             <a:pPr rtl="0"/>
             <a:fld id="{B7D2CD12-2EA1-4D01-B4E3-887F9CBA179F}" type="datetime1">
               <a:rPr lang="ja-JP" altLang="en-US" smtClean="0"/>
-              <a:t>2022/10/28</a:t>
+              <a:t>2022/10/31</a:t>
             </a:fld>
             <a:endParaRPr lang="en-US"/>
           </a:p>
@@ -5764,7 +5764,7 @@
             <a:pPr rtl="0"/>
             <a:fld id="{83DCDF92-A159-46CD-AE7F-AE913F8A0C03}" type="datetime1">
               <a:rPr lang="ja-JP" altLang="en-US" smtClean="0"/>
-              <a:t>2022/10/28</a:t>
+              <a:t>2022/10/31</a:t>
             </a:fld>
             <a:endParaRPr lang="en-US" dirty="0"/>
           </a:p>
@@ -6003,7 +6003,7 @@
             <a:pPr rtl="0"/>
             <a:fld id="{63A43473-F0CF-4097-9FA0-5C73431C12E8}" type="datetime1">
               <a:rPr lang="ja-JP" altLang="en-US" smtClean="0"/>
-              <a:t>2022/10/28</a:t>
+              <a:t>2022/10/31</a:t>
             </a:fld>
             <a:endParaRPr lang="en-US" dirty="0"/>
           </a:p>
@@ -6401,7 +6401,7 @@
             <a:pPr rtl="0"/>
             <a:fld id="{2D9E36F4-56C9-497D-985A-4547EE80C7E5}" type="datetime1">
               <a:rPr lang="ja-JP" altLang="en-US" smtClean="0"/>
-              <a:t>2022/10/28</a:t>
+              <a:t>2022/10/31</a:t>
             </a:fld>
             <a:endParaRPr lang="en-US" dirty="0"/>
           </a:p>
@@ -6635,7 +6635,7 @@
             <a:pPr rtl="0"/>
             <a:fld id="{3FE9C3F6-23B1-4AC7-8654-56B71A245609}" type="datetime1">
               <a:rPr lang="ja-JP" altLang="en-US" smtClean="0"/>
-              <a:t>2022/10/28</a:t>
+              <a:t>2022/10/31</a:t>
             </a:fld>
             <a:endParaRPr lang="en-US" dirty="0"/>
           </a:p>
@@ -6951,7 +6951,7 @@
             <a:pPr rtl="0"/>
             <a:fld id="{48EED29A-E673-4AAF-8414-A0538097D4FB}" type="datetime1">
               <a:rPr lang="ja-JP" altLang="en-US" smtClean="0"/>
-              <a:t>2022/10/28</a:t>
+              <a:t>2022/10/31</a:t>
             </a:fld>
             <a:endParaRPr lang="en-US" dirty="0"/>
           </a:p>
@@ -7272,7 +7272,7 @@
             <a:pPr rtl="0"/>
             <a:fld id="{D2AF9471-7E3C-43CD-B2AE-E0996B6FCF28}" type="datetime1">
               <a:rPr lang="ja-JP" altLang="en-US" smtClean="0"/>
-              <a:t>2022/10/28</a:t>
+              <a:t>2022/10/31</a:t>
             </a:fld>
             <a:endParaRPr lang="en-US" dirty="0"/>
           </a:p>
@@ -7762,7 +7762,7 @@
             <a:pPr rtl="0"/>
             <a:fld id="{42EAD7D0-3BCF-438D-AF45-776548880E3E}" type="datetime1">
               <a:rPr lang="ja-JP" altLang="en-US" smtClean="0"/>
-              <a:t>2022/10/28</a:t>
+              <a:t>2022/10/31</a:t>
             </a:fld>
             <a:endParaRPr lang="en-US" dirty="0"/>
           </a:p>
@@ -7889,7 +7889,7 @@
             <a:pPr rtl="0"/>
             <a:fld id="{095BB670-9BB6-41E9-8402-5ADF041FD5DA}" type="datetime1">
               <a:rPr lang="ja-JP" altLang="en-US" smtClean="0"/>
-              <a:t>2022/10/28</a:t>
+              <a:t>2022/10/31</a:t>
             </a:fld>
             <a:endParaRPr lang="en-US" dirty="0"/>
           </a:p>
@@ -7987,7 +7987,7 @@
             <a:pPr rtl="0"/>
             <a:fld id="{B64CBAF2-9AF4-4C61-80A6-A4165AC07DD4}" type="datetime1">
               <a:rPr lang="ja-JP" altLang="en-US" smtClean="0"/>
-              <a:t>2022/10/28</a:t>
+              <a:t>2022/10/31</a:t>
             </a:fld>
             <a:endParaRPr lang="en-US" dirty="0"/>
           </a:p>
@@ -8400,7 +8400,7 @@
             <a:pPr rtl="0"/>
             <a:fld id="{15E8BA45-A90A-4071-A13D-6AC57A8D06A3}" type="datetime1">
               <a:rPr lang="ja-JP" altLang="en-US" smtClean="0"/>
-              <a:t>2022/10/28</a:t>
+              <a:t>2022/10/31</a:t>
             </a:fld>
             <a:endParaRPr lang="en-US" dirty="0"/>
           </a:p>
@@ -8698,7 +8698,7 @@
             <a:pPr rtl="0"/>
             <a:fld id="{AC67FAA8-A50A-40C1-B5A1-A17F7AE628E9}" type="datetime1">
               <a:rPr lang="ja-JP" altLang="en-US" smtClean="0"/>
-              <a:t>2022/10/28</a:t>
+              <a:t>2022/10/31</a:t>
             </a:fld>
             <a:endParaRPr lang="en-US" dirty="0"/>
           </a:p>
@@ -8917,7 +8917,7 @@
           <a:p>
             <a:fld id="{8288BDA2-415F-4853-9C1B-2BDC206538FD}" type="datetime1">
               <a:rPr lang="ja-JP" altLang="en-US" noProof="0" smtClean="0"/>
-              <a:t>2022/10/28</a:t>
+              <a:t>2022/10/31</a:t>
             </a:fld>
             <a:endParaRPr lang="ja-JP" altLang="en-US" noProof="0" dirty="0"/>
           </a:p>
@@ -10118,7 +10118,7 @@
             <a:pPr rtl="0"/>
             <a:fld id="{3FE9C3F6-23B1-4AC7-8654-56B71A245609}" type="datetime1">
               <a:rPr lang="ja-JP" altLang="en-US" smtClean="0"/>
-              <a:t>2022/10/28</a:t>
+              <a:t>2022/10/31</a:t>
             </a:fld>
             <a:endParaRPr lang="en-US" dirty="0"/>
           </a:p>
@@ -10282,7 +10282,7 @@
             <a:pPr rtl="0"/>
             <a:fld id="{3FE9C3F6-23B1-4AC7-8654-56B71A245609}" type="datetime1">
               <a:rPr lang="ja-JP" altLang="en-US" smtClean="0"/>
-              <a:t>2022/10/28</a:t>
+              <a:t>2022/10/31</a:t>
             </a:fld>
             <a:endParaRPr lang="en-US" dirty="0"/>
           </a:p>
@@ -10492,7 +10492,7 @@
             <a:pPr rtl="0"/>
             <a:fld id="{3FE9C3F6-23B1-4AC7-8654-56B71A245609}" type="datetime1">
               <a:rPr lang="ja-JP" altLang="en-US" smtClean="0"/>
-              <a:t>2022/10/28</a:t>
+              <a:t>2022/10/31</a:t>
             </a:fld>
             <a:endParaRPr lang="en-US" dirty="0"/>
           </a:p>
@@ -10637,7 +10637,7 @@
             <a:pPr rtl="0"/>
             <a:fld id="{3FE9C3F6-23B1-4AC7-8654-56B71A245609}" type="datetime1">
               <a:rPr lang="ja-JP" altLang="en-US" smtClean="0"/>
-              <a:t>2022/10/28</a:t>
+              <a:t>2022/10/31</a:t>
             </a:fld>
             <a:endParaRPr lang="en-US" dirty="0"/>
           </a:p>
@@ -10720,7 +10720,9 @@
         </p:nvSpPr>
         <p:spPr/>
         <p:txBody>
-          <a:bodyPr/>
+          <a:bodyPr>
+            <a:normAutofit/>
+          </a:bodyPr>
           <a:lstStyle/>
           <a:p>
             <a:pPr marL="0" indent="0">
@@ -10728,7 +10730,7 @@
             </a:pPr>
             <a:r>
               <a:rPr kumimoji="1" lang="ja-JP" altLang="en-US" dirty="0"/>
-              <a:t>敵</a:t>
+              <a:t>敵　　　　　　　　　　トラップ</a:t>
             </a:r>
             <a:endParaRPr kumimoji="1" lang="en-US" altLang="ja-JP" dirty="0"/>
           </a:p>
@@ -10737,8 +10739,8 @@
               <a:buNone/>
             </a:pPr>
             <a:r>
-              <a:rPr lang="ja-JP" altLang="en-US" dirty="0"/>
-              <a:t>プレイヤー</a:t>
+              <a:rPr lang="ja-JP" altLang="en-US"/>
+              <a:t>プレイヤー　　　　　　</a:t>
             </a:r>
             <a:endParaRPr lang="en-US" altLang="ja-JP" dirty="0"/>
           </a:p>
@@ -10790,6 +10792,23 @@
               <a:rPr kumimoji="1" lang="ja-JP" altLang="en-US" dirty="0"/>
               <a:t>テキスト</a:t>
             </a:r>
+            <a:endParaRPr kumimoji="1" lang="en-US" altLang="ja-JP" dirty="0"/>
+          </a:p>
+          <a:p>
+            <a:pPr marL="0" indent="0">
+              <a:buNone/>
+            </a:pPr>
+            <a:r>
+              <a:rPr lang="ja-JP" altLang="en-US" dirty="0"/>
+              <a:t>マップ移動</a:t>
+            </a:r>
+            <a:endParaRPr lang="en-US" altLang="ja-JP" dirty="0"/>
+          </a:p>
+          <a:p>
+            <a:pPr marL="0" indent="0">
+              <a:buNone/>
+            </a:pPr>
+            <a:endParaRPr kumimoji="1" lang="ja-JP" altLang="en-US" dirty="0"/>
           </a:p>
         </p:txBody>
       </p:sp>
@@ -10817,7 +10836,7 @@
             <a:pPr rtl="0"/>
             <a:fld id="{3FE9C3F6-23B1-4AC7-8654-56B71A245609}" type="datetime1">
               <a:rPr lang="ja-JP" altLang="en-US" smtClean="0"/>
-              <a:t>2022/10/28</a:t>
+              <a:t>2022/10/31</a:t>
             </a:fld>
             <a:endParaRPr lang="en-US" dirty="0"/>
           </a:p>
@@ -10907,9 +10926,72 @@
           <a:lstStyle/>
           <a:p>
             <a:r>
+              <a:rPr kumimoji="1" lang="ja-JP" altLang="en-US" dirty="0"/>
+              <a:t>追いかけっこ</a:t>
+            </a:r>
+            <a:r>
+              <a:rPr kumimoji="1" lang="en-US" altLang="ja-JP" dirty="0"/>
+              <a:t>BGM2</a:t>
+            </a:r>
+            <a:r>
+              <a:rPr kumimoji="1" lang="ja-JP" altLang="en-US" dirty="0"/>
+              <a:t>種</a:t>
+            </a:r>
+            <a:endParaRPr kumimoji="1" lang="en-US" altLang="ja-JP" dirty="0"/>
+          </a:p>
+          <a:p>
+            <a:r>
               <a:rPr lang="ja-JP" altLang="en-US" dirty="0"/>
-              <a:t>ご自由にお使いください</a:t>
-            </a:r>
+              <a:t>ステージ</a:t>
+            </a:r>
+            <a:r>
+              <a:rPr lang="en-US" altLang="ja-JP" dirty="0"/>
+              <a:t>BGM</a:t>
+            </a:r>
+            <a:r>
+              <a:rPr lang="ja-JP" altLang="en-US" dirty="0"/>
+              <a:t>２種</a:t>
+            </a:r>
+            <a:endParaRPr lang="en-US" altLang="ja-JP" dirty="0"/>
+          </a:p>
+          <a:p>
+            <a:r>
+              <a:rPr kumimoji="1" lang="ja-JP" altLang="en-US" dirty="0"/>
+              <a:t>チャイム１種</a:t>
+            </a:r>
+            <a:endParaRPr kumimoji="1" lang="en-US" altLang="ja-JP" dirty="0"/>
+          </a:p>
+          <a:p>
+            <a:r>
+              <a:rPr lang="ja-JP" altLang="en-US" dirty="0"/>
+              <a:t>タイトル</a:t>
+            </a:r>
+            <a:r>
+              <a:rPr lang="en-US" altLang="ja-JP" dirty="0"/>
+              <a:t>BGM</a:t>
+            </a:r>
+            <a:r>
+              <a:rPr lang="ja-JP" altLang="en-US" dirty="0"/>
+              <a:t>１種（タイトルが出来てから）</a:t>
+            </a:r>
+            <a:endParaRPr lang="en-US" altLang="ja-JP" dirty="0"/>
+          </a:p>
+          <a:p>
+            <a:r>
+              <a:rPr kumimoji="1" lang="ja-JP" altLang="en-US" dirty="0"/>
+              <a:t>ゲームオーバー</a:t>
+            </a:r>
+            <a:r>
+              <a:rPr lang="en-US" altLang="ja-JP" dirty="0" err="1"/>
+              <a:t>BGMorSE</a:t>
+            </a:r>
+            <a:r>
+              <a:rPr lang="ja-JP" altLang="en-US" dirty="0"/>
+              <a:t>どちらか１種</a:t>
+            </a:r>
+            <a:endParaRPr lang="en-US" altLang="ja-JP" dirty="0"/>
+          </a:p>
+          <a:p>
             <a:endParaRPr kumimoji="1" lang="ja-JP" altLang="en-US" dirty="0"/>
           </a:p>
           <a:p>
@@ -10941,7 +11023,7 @@
             <a:pPr rtl="0"/>
             <a:fld id="{3FE9C3F6-23B1-4AC7-8654-56B71A245609}" type="datetime1">
               <a:rPr lang="ja-JP" altLang="en-US" smtClean="0"/>
-              <a:t>2022/10/28</a:t>
+              <a:t>2022/10/31</a:t>
             </a:fld>
             <a:endParaRPr lang="en-US" dirty="0"/>
           </a:p>
@@ -11147,7 +11229,7 @@
             <a:pPr rtl="0"/>
             <a:fld id="{3FE9C3F6-23B1-4AC7-8654-56B71A245609}" type="datetime1">
               <a:rPr lang="ja-JP" altLang="en-US" smtClean="0"/>
-              <a:t>2022/10/28</a:t>
+              <a:t>2022/10/31</a:t>
             </a:fld>
             <a:endParaRPr lang="en-US" dirty="0"/>
           </a:p>
